--- a/PPTs/C Sharp - Interface.pptx
+++ b/PPTs/C Sharp - Interface.pptx
@@ -9,7 +9,7 @@
     <p:sldId id="257" r:id="rId3"/>
     <p:sldId id="258" r:id="rId4"/>
     <p:sldId id="263" r:id="rId5"/>
-    <p:sldId id="259" r:id="rId6"/>
+    <p:sldId id="264" r:id="rId6"/>
     <p:sldId id="265" r:id="rId7"/>
   </p:sldIdLst>
   <p:sldSz cx="12192000" cy="6858000"/>
@@ -3566,27 +3566,15 @@
           <a:p>
             <a:r>
               <a:rPr lang="en-US" dirty="0" smtClean="0"/>
-              <a:t>What is Abstract Methods?</a:t>
-            </a:r>
-          </a:p>
-          <a:p>
-            <a:r>
-              <a:rPr lang="en-US" dirty="0" smtClean="0"/>
-              <a:t>What is Abstract Properties?</a:t>
+              <a:t>Syntax</a:t>
+            </a:r>
+          </a:p>
+          <a:p>
+            <a:r>
+              <a:rPr lang="en-US" smtClean="0"/>
+              <a:t>Implementing Interface</a:t>
             </a:r>
             <a:endParaRPr lang="en-US" dirty="0" smtClean="0"/>
-          </a:p>
-          <a:p>
-            <a:r>
-              <a:rPr lang="en-US" dirty="0" smtClean="0"/>
-              <a:t>Syntax</a:t>
-            </a:r>
-          </a:p>
-          <a:p>
-            <a:r>
-              <a:rPr lang="en-US" dirty="0" smtClean="0"/>
-              <a:t>Implementing Abstract Class</a:t>
-            </a:r>
           </a:p>
         </p:txBody>
       </p:sp>
@@ -4353,14 +4341,7 @@
           <a:p>
             <a:r>
               <a:rPr lang="en-US" sz="2800" dirty="0" smtClean="0"/>
-              <a:t>Syntax </a:t>
-            </a:r>
-            <a:br>
-              <a:rPr lang="en-US" sz="2800" dirty="0" smtClean="0"/>
-            </a:br>
-            <a:r>
-              <a:rPr lang="en-US" sz="2000" dirty="0" smtClean="0"/>
-              <a:t>Abstract Class, Method, Properties</a:t>
+              <a:t>Syntax</a:t>
             </a:r>
             <a:endParaRPr lang="en-US" sz="2800" dirty="0"/>
           </a:p>
@@ -4368,36 +4349,36 @@
       </p:sp>
       <p:sp>
         <p:nvSpPr>
-          <p:cNvPr id="6" name="Rectangle 5"/>
+          <p:cNvPr id="4" name="Rectangle 3"/>
           <p:cNvSpPr/>
           <p:nvPr/>
         </p:nvSpPr>
         <p:spPr>
           <a:xfrm>
-            <a:off x="3473001" y="1783961"/>
-            <a:ext cx="8452835" cy="2800767"/>
+            <a:off x="3820732" y="1801694"/>
+            <a:ext cx="6096000" cy="1477328"/>
           </a:xfrm>
           <a:prstGeom prst="rect">
             <a:avLst/>
           </a:prstGeom>
         </p:spPr>
         <p:txBody>
-          <a:bodyPr wrap="square">
+          <a:bodyPr>
             <a:spAutoFit/>
           </a:bodyPr>
           <a:lstStyle/>
           <a:p>
             <a:r>
-              <a:rPr lang="en-US" sz="1600" dirty="0">
+              <a:rPr lang="en-US" dirty="0">
                 <a:solidFill>
                   <a:srgbClr val="0000FF"/>
                 </a:solidFill>
                 <a:latin typeface="Consolas" panose="020B0609020204030204" pitchFamily="49" charset="0"/>
               </a:rPr>
-              <a:t>abstract</a:t>
-            </a:r>
-            <a:r>
-              <a:rPr lang="en-US" sz="1600" dirty="0">
+              <a:t>interface</a:t>
+            </a:r>
+            <a:r>
+              <a:rPr lang="en-US" dirty="0">
                 <a:solidFill>
                   <a:srgbClr val="000000"/>
                 </a:solidFill>
@@ -4406,51 +4387,15 @@
               <a:t> </a:t>
             </a:r>
             <a:r>
-              <a:rPr lang="en-US" sz="1600" dirty="0">
-                <a:solidFill>
-                  <a:srgbClr val="0000FF"/>
-                </a:solidFill>
-                <a:latin typeface="Consolas" panose="020B0609020204030204" pitchFamily="49" charset="0"/>
-              </a:rPr>
-              <a:t>class</a:t>
-            </a:r>
-            <a:r>
-              <a:rPr lang="en-US" sz="1600" dirty="0">
-                <a:solidFill>
-                  <a:srgbClr val="000000"/>
-                </a:solidFill>
-                <a:latin typeface="Consolas" panose="020B0609020204030204" pitchFamily="49" charset="0"/>
-              </a:rPr>
-              <a:t> </a:t>
-            </a:r>
-            <a:r>
-              <a:rPr lang="en-US" sz="1600" dirty="0">
+              <a:rPr lang="en-US" dirty="0" err="1">
                 <a:solidFill>
                   <a:srgbClr val="2B91AF"/>
                 </a:solidFill>
                 <a:latin typeface="Consolas" panose="020B0609020204030204" pitchFamily="49" charset="0"/>
               </a:rPr>
-              <a:t>Person</a:t>
-            </a:r>
-            <a:r>
-              <a:rPr lang="en-US" sz="1600" dirty="0">
-                <a:solidFill>
-                  <a:srgbClr val="000000"/>
-                </a:solidFill>
-                <a:latin typeface="Consolas" panose="020B0609020204030204" pitchFamily="49" charset="0"/>
-              </a:rPr>
-              <a:t>   </a:t>
-            </a:r>
-            <a:r>
-              <a:rPr lang="en-US" sz="1600" dirty="0">
-                <a:solidFill>
-                  <a:srgbClr val="008000"/>
-                </a:solidFill>
-                <a:latin typeface="Consolas" panose="020B0609020204030204" pitchFamily="49" charset="0"/>
-              </a:rPr>
-              <a:t>// Abstract class</a:t>
-            </a:r>
-            <a:endParaRPr lang="en-US" sz="1600" dirty="0">
+              <a:t>IPerson</a:t>
+            </a:r>
+            <a:endParaRPr lang="en-US" dirty="0">
               <a:solidFill>
                 <a:srgbClr val="000000"/>
               </a:solidFill>
@@ -4459,7 +4404,7 @@
           </a:p>
           <a:p>
             <a:r>
-              <a:rPr lang="en-US" sz="1600" dirty="0">
+              <a:rPr lang="en-US" dirty="0">
                 <a:solidFill>
                   <a:srgbClr val="000000"/>
                 </a:solidFill>
@@ -4470,7 +4415,7 @@
           </a:p>
           <a:p>
             <a:r>
-              <a:rPr lang="en-US" sz="1600" dirty="0">
+              <a:rPr lang="en-US" dirty="0">
                 <a:solidFill>
                   <a:srgbClr val="000000"/>
                 </a:solidFill>
@@ -4479,488 +4424,107 @@
               <a:t>        </a:t>
             </a:r>
             <a:r>
-              <a:rPr lang="en-US" sz="1600" dirty="0">
+              <a:rPr lang="en-US" dirty="0">
                 <a:solidFill>
                   <a:srgbClr val="0000FF"/>
                 </a:solidFill>
                 <a:latin typeface="Consolas" panose="020B0609020204030204" pitchFamily="49" charset="0"/>
               </a:rPr>
-              <a:t>public</a:t>
-            </a:r>
-            <a:r>
-              <a:rPr lang="en-US" sz="1600" dirty="0">
+              <a:t>string</a:t>
+            </a:r>
+            <a:r>
+              <a:rPr lang="en-US" dirty="0">
                 <a:solidFill>
                   <a:srgbClr val="000000"/>
                 </a:solidFill>
                 <a:latin typeface="Consolas" panose="020B0609020204030204" pitchFamily="49" charset="0"/>
               </a:rPr>
+              <a:t> Name { </a:t>
+            </a:r>
+            <a:r>
+              <a:rPr lang="en-US" dirty="0">
+                <a:solidFill>
+                  <a:srgbClr val="0000FF"/>
+                </a:solidFill>
+                <a:latin typeface="Consolas" panose="020B0609020204030204" pitchFamily="49" charset="0"/>
+              </a:rPr>
+              <a:t>get</a:t>
+            </a:r>
+            <a:r>
+              <a:rPr lang="en-US" dirty="0">
+                <a:solidFill>
+                  <a:srgbClr val="000000"/>
+                </a:solidFill>
+                <a:latin typeface="Consolas" panose="020B0609020204030204" pitchFamily="49" charset="0"/>
+              </a:rPr>
+              <a:t>; }</a:t>
+            </a:r>
+          </a:p>
+          <a:p>
+            <a:r>
+              <a:rPr lang="en-US" dirty="0">
+                <a:solidFill>
+                  <a:srgbClr val="000000"/>
+                </a:solidFill>
+                <a:latin typeface="Consolas" panose="020B0609020204030204" pitchFamily="49" charset="0"/>
+              </a:rPr>
+              <a:t>        </a:t>
+            </a:r>
+            <a:r>
+              <a:rPr lang="en-US" dirty="0">
+                <a:solidFill>
+                  <a:srgbClr val="0000FF"/>
+                </a:solidFill>
+                <a:latin typeface="Consolas" panose="020B0609020204030204" pitchFamily="49" charset="0"/>
+              </a:rPr>
+              <a:t>void</a:t>
+            </a:r>
+            <a:r>
+              <a:rPr lang="en-US" dirty="0">
+                <a:solidFill>
+                  <a:srgbClr val="000000"/>
+                </a:solidFill>
+                <a:latin typeface="Consolas" panose="020B0609020204030204" pitchFamily="49" charset="0"/>
+              </a:rPr>
               <a:t> </a:t>
             </a:r>
             <a:r>
-              <a:rPr lang="en-US" sz="1600" dirty="0" err="1">
-                <a:solidFill>
-                  <a:srgbClr val="0000FF"/>
-                </a:solidFill>
-                <a:latin typeface="Consolas" panose="020B0609020204030204" pitchFamily="49" charset="0"/>
-              </a:rPr>
-              <a:t>int</a:t>
-            </a:r>
-            <a:r>
-              <a:rPr lang="en-US" sz="1600" dirty="0">
+              <a:rPr lang="en-US" dirty="0" err="1">
                 <a:solidFill>
                   <a:srgbClr val="000000"/>
                 </a:solidFill>
                 <a:latin typeface="Consolas" panose="020B0609020204030204" pitchFamily="49" charset="0"/>
               </a:rPr>
-              <a:t> _Id;</a:t>
-            </a:r>
-          </a:p>
-          <a:p>
-            <a:r>
-              <a:rPr lang="en-US" sz="1600" dirty="0">
+              <a:t>PrintDetails</a:t>
+            </a:r>
+            <a:r>
+              <a:rPr lang="en-US" dirty="0">
                 <a:solidFill>
                   <a:srgbClr val="000000"/>
                 </a:solidFill>
                 <a:latin typeface="Consolas" panose="020B0609020204030204" pitchFamily="49" charset="0"/>
               </a:rPr>
-              <a:t>        </a:t>
-            </a:r>
-            <a:r>
-              <a:rPr lang="en-US" sz="1600" dirty="0">
-                <a:solidFill>
-                  <a:srgbClr val="0000FF"/>
-                </a:solidFill>
-                <a:latin typeface="Consolas" panose="020B0609020204030204" pitchFamily="49" charset="0"/>
-              </a:rPr>
-              <a:t>string</a:t>
-            </a:r>
-            <a:r>
-              <a:rPr lang="en-US" sz="1600" dirty="0">
+              <a:t>();</a:t>
+            </a:r>
+          </a:p>
+          <a:p>
+            <a:r>
+              <a:rPr lang="en-US" dirty="0">
                 <a:solidFill>
                   <a:srgbClr val="000000"/>
                 </a:solidFill>
                 <a:latin typeface="Consolas" panose="020B0609020204030204" pitchFamily="49" charset="0"/>
               </a:rPr>
-              <a:t> _Name;</a:t>
-            </a:r>
-          </a:p>
-          <a:p>
-            <a:r>
-              <a:rPr lang="en-US" sz="1600" dirty="0">
-                <a:solidFill>
-                  <a:srgbClr val="000000"/>
-                </a:solidFill>
-                <a:latin typeface="Consolas" panose="020B0609020204030204" pitchFamily="49" charset="0"/>
-              </a:rPr>
-              <a:t>        </a:t>
-            </a:r>
-            <a:r>
-              <a:rPr lang="en-US" sz="1600" dirty="0">
-                <a:solidFill>
-                  <a:srgbClr val="0000FF"/>
-                </a:solidFill>
-                <a:latin typeface="Consolas" panose="020B0609020204030204" pitchFamily="49" charset="0"/>
-              </a:rPr>
-              <a:t>public</a:t>
-            </a:r>
-            <a:r>
-              <a:rPr lang="en-US" sz="1600" dirty="0">
-                <a:solidFill>
-                  <a:srgbClr val="000000"/>
-                </a:solidFill>
-                <a:latin typeface="Consolas" panose="020B0609020204030204" pitchFamily="49" charset="0"/>
-              </a:rPr>
-              <a:t> </a:t>
-            </a:r>
-            <a:r>
-              <a:rPr lang="en-US" sz="1600" dirty="0">
-                <a:solidFill>
-                  <a:srgbClr val="0000FF"/>
-                </a:solidFill>
-                <a:latin typeface="Consolas" panose="020B0609020204030204" pitchFamily="49" charset="0"/>
-              </a:rPr>
-              <a:t>string</a:t>
-            </a:r>
-            <a:r>
-              <a:rPr lang="en-US" sz="1600" dirty="0">
-                <a:solidFill>
-                  <a:srgbClr val="000000"/>
-                </a:solidFill>
-                <a:latin typeface="Consolas" panose="020B0609020204030204" pitchFamily="49" charset="0"/>
-              </a:rPr>
-              <a:t> _</a:t>
-            </a:r>
-            <a:r>
-              <a:rPr lang="en-US" sz="1600" dirty="0" err="1">
-                <a:solidFill>
-                  <a:srgbClr val="000000"/>
-                </a:solidFill>
-                <a:latin typeface="Consolas" panose="020B0609020204030204" pitchFamily="49" charset="0"/>
-              </a:rPr>
-              <a:t>FirstName</a:t>
-            </a:r>
-            <a:r>
-              <a:rPr lang="en-US" sz="1600" dirty="0">
-                <a:solidFill>
-                  <a:srgbClr val="000000"/>
-                </a:solidFill>
-                <a:latin typeface="Consolas" panose="020B0609020204030204" pitchFamily="49" charset="0"/>
-              </a:rPr>
-              <a:t>;</a:t>
-            </a:r>
-          </a:p>
-          <a:p>
-            <a:r>
-              <a:rPr lang="en-US" sz="1600" dirty="0">
-                <a:solidFill>
-                  <a:srgbClr val="000000"/>
-                </a:solidFill>
-                <a:latin typeface="Consolas" panose="020B0609020204030204" pitchFamily="49" charset="0"/>
-              </a:rPr>
-              <a:t>        </a:t>
-            </a:r>
-            <a:r>
-              <a:rPr lang="en-US" sz="1600" dirty="0">
-                <a:solidFill>
-                  <a:srgbClr val="0000FF"/>
-                </a:solidFill>
-                <a:latin typeface="Consolas" panose="020B0609020204030204" pitchFamily="49" charset="0"/>
-              </a:rPr>
-              <a:t>public</a:t>
-            </a:r>
-            <a:r>
-              <a:rPr lang="en-US" sz="1600" dirty="0">
-                <a:solidFill>
-                  <a:srgbClr val="000000"/>
-                </a:solidFill>
-                <a:latin typeface="Consolas" panose="020B0609020204030204" pitchFamily="49" charset="0"/>
-              </a:rPr>
-              <a:t> </a:t>
-            </a:r>
-            <a:r>
-              <a:rPr lang="en-US" sz="1600" dirty="0">
-                <a:solidFill>
-                  <a:srgbClr val="0000FF"/>
-                </a:solidFill>
-                <a:latin typeface="Consolas" panose="020B0609020204030204" pitchFamily="49" charset="0"/>
-              </a:rPr>
-              <a:t>string</a:t>
-            </a:r>
-            <a:r>
-              <a:rPr lang="en-US" sz="1600" dirty="0">
-                <a:solidFill>
-                  <a:srgbClr val="000000"/>
-                </a:solidFill>
-                <a:latin typeface="Consolas" panose="020B0609020204030204" pitchFamily="49" charset="0"/>
-              </a:rPr>
-              <a:t> _</a:t>
-            </a:r>
-            <a:r>
-              <a:rPr lang="en-US" sz="1600" dirty="0" err="1">
-                <a:solidFill>
-                  <a:srgbClr val="000000"/>
-                </a:solidFill>
-                <a:latin typeface="Consolas" panose="020B0609020204030204" pitchFamily="49" charset="0"/>
-              </a:rPr>
-              <a:t>LastName</a:t>
-            </a:r>
-            <a:r>
-              <a:rPr lang="en-US" sz="1600" dirty="0">
-                <a:solidFill>
-                  <a:srgbClr val="000000"/>
-                </a:solidFill>
-                <a:latin typeface="Consolas" panose="020B0609020204030204" pitchFamily="49" charset="0"/>
-              </a:rPr>
-              <a:t>;</a:t>
-            </a:r>
-          </a:p>
-          <a:p>
-            <a:endParaRPr lang="en-US" sz="1600" dirty="0">
-              <a:solidFill>
-                <a:srgbClr val="000000"/>
-              </a:solidFill>
-              <a:latin typeface="Consolas" panose="020B0609020204030204" pitchFamily="49" charset="0"/>
-            </a:endParaRPr>
-          </a:p>
-          <a:p>
-            <a:r>
-              <a:rPr lang="en-US" sz="1600" dirty="0">
-                <a:solidFill>
-                  <a:srgbClr val="000000"/>
-                </a:solidFill>
-                <a:latin typeface="Consolas" panose="020B0609020204030204" pitchFamily="49" charset="0"/>
-              </a:rPr>
-              <a:t>        </a:t>
-            </a:r>
-            <a:r>
-              <a:rPr lang="en-US" sz="1600" dirty="0">
-                <a:solidFill>
-                  <a:srgbClr val="0000FF"/>
-                </a:solidFill>
-                <a:latin typeface="Consolas" panose="020B0609020204030204" pitchFamily="49" charset="0"/>
-              </a:rPr>
-              <a:t>public</a:t>
-            </a:r>
-            <a:r>
-              <a:rPr lang="en-US" sz="1600" dirty="0">
-                <a:solidFill>
-                  <a:srgbClr val="000000"/>
-                </a:solidFill>
-                <a:latin typeface="Consolas" panose="020B0609020204030204" pitchFamily="49" charset="0"/>
-              </a:rPr>
-              <a:t> </a:t>
-            </a:r>
-            <a:r>
-              <a:rPr lang="en-US" sz="1600" dirty="0">
-                <a:solidFill>
-                  <a:srgbClr val="0000FF"/>
-                </a:solidFill>
-                <a:latin typeface="Consolas" panose="020B0609020204030204" pitchFamily="49" charset="0"/>
-              </a:rPr>
-              <a:t>abstract</a:t>
-            </a:r>
-            <a:r>
-              <a:rPr lang="en-US" sz="1600" dirty="0">
-                <a:solidFill>
-                  <a:srgbClr val="000000"/>
-                </a:solidFill>
-                <a:latin typeface="Consolas" panose="020B0609020204030204" pitchFamily="49" charset="0"/>
-              </a:rPr>
-              <a:t> </a:t>
-            </a:r>
-            <a:r>
-              <a:rPr lang="en-US" sz="1600" dirty="0">
-                <a:solidFill>
-                  <a:srgbClr val="0000FF"/>
-                </a:solidFill>
-                <a:latin typeface="Consolas" panose="020B0609020204030204" pitchFamily="49" charset="0"/>
-              </a:rPr>
-              <a:t>void</a:t>
-            </a:r>
-            <a:r>
-              <a:rPr lang="en-US" sz="1600" dirty="0">
-                <a:solidFill>
-                  <a:srgbClr val="000000"/>
-                </a:solidFill>
-                <a:latin typeface="Consolas" panose="020B0609020204030204" pitchFamily="49" charset="0"/>
-              </a:rPr>
-              <a:t> Details();   </a:t>
-            </a:r>
-            <a:r>
-              <a:rPr lang="en-US" sz="1600" dirty="0">
-                <a:solidFill>
-                  <a:srgbClr val="008000"/>
-                </a:solidFill>
-                <a:latin typeface="Consolas" panose="020B0609020204030204" pitchFamily="49" charset="0"/>
-              </a:rPr>
-              <a:t>// Abstract method</a:t>
-            </a:r>
-            <a:endParaRPr lang="en-US" sz="1600" dirty="0">
-              <a:solidFill>
-                <a:srgbClr val="000000"/>
-              </a:solidFill>
-              <a:latin typeface="Consolas" panose="020B0609020204030204" pitchFamily="49" charset="0"/>
-            </a:endParaRPr>
-          </a:p>
-          <a:p>
-            <a:r>
-              <a:rPr lang="en-US" sz="1600" dirty="0">
-                <a:solidFill>
-                  <a:srgbClr val="000000"/>
-                </a:solidFill>
-                <a:latin typeface="Consolas" panose="020B0609020204030204" pitchFamily="49" charset="0"/>
-              </a:rPr>
-              <a:t>        </a:t>
-            </a:r>
-            <a:r>
-              <a:rPr lang="en-US" sz="1600" dirty="0">
-                <a:solidFill>
-                  <a:srgbClr val="0000FF"/>
-                </a:solidFill>
-                <a:latin typeface="Consolas" panose="020B0609020204030204" pitchFamily="49" charset="0"/>
-              </a:rPr>
-              <a:t>public</a:t>
-            </a:r>
-            <a:r>
-              <a:rPr lang="en-US" sz="1600" dirty="0">
-                <a:solidFill>
-                  <a:srgbClr val="000000"/>
-                </a:solidFill>
-                <a:latin typeface="Consolas" panose="020B0609020204030204" pitchFamily="49" charset="0"/>
-              </a:rPr>
-              <a:t> </a:t>
-            </a:r>
-            <a:r>
-              <a:rPr lang="en-US" sz="1600" dirty="0">
-                <a:solidFill>
-                  <a:srgbClr val="0000FF"/>
-                </a:solidFill>
-                <a:latin typeface="Consolas" panose="020B0609020204030204" pitchFamily="49" charset="0"/>
-              </a:rPr>
-              <a:t>abstract</a:t>
-            </a:r>
-            <a:r>
-              <a:rPr lang="en-US" sz="1600" dirty="0">
-                <a:solidFill>
-                  <a:srgbClr val="000000"/>
-                </a:solidFill>
-                <a:latin typeface="Consolas" panose="020B0609020204030204" pitchFamily="49" charset="0"/>
-              </a:rPr>
-              <a:t> </a:t>
-            </a:r>
-            <a:r>
-              <a:rPr lang="en-US" sz="1600" dirty="0" err="1">
-                <a:solidFill>
-                  <a:srgbClr val="0000FF"/>
-                </a:solidFill>
-                <a:latin typeface="Consolas" panose="020B0609020204030204" pitchFamily="49" charset="0"/>
-              </a:rPr>
-              <a:t>int</a:t>
-            </a:r>
-            <a:r>
-              <a:rPr lang="en-US" sz="1600" dirty="0">
-                <a:solidFill>
-                  <a:srgbClr val="000000"/>
-                </a:solidFill>
-                <a:latin typeface="Consolas" panose="020B0609020204030204" pitchFamily="49" charset="0"/>
-              </a:rPr>
-              <a:t> Id { </a:t>
-            </a:r>
-            <a:r>
-              <a:rPr lang="en-US" sz="1600" dirty="0">
-                <a:solidFill>
-                  <a:srgbClr val="0000FF"/>
-                </a:solidFill>
-                <a:latin typeface="Consolas" panose="020B0609020204030204" pitchFamily="49" charset="0"/>
-              </a:rPr>
-              <a:t>get</a:t>
-            </a:r>
-            <a:r>
-              <a:rPr lang="en-US" sz="1600" dirty="0">
-                <a:solidFill>
-                  <a:srgbClr val="000000"/>
-                </a:solidFill>
-                <a:latin typeface="Consolas" panose="020B0609020204030204" pitchFamily="49" charset="0"/>
-              </a:rPr>
-              <a:t>; }          </a:t>
-            </a:r>
-            <a:r>
-              <a:rPr lang="en-US" sz="1600" dirty="0">
-                <a:solidFill>
-                  <a:srgbClr val="008000"/>
-                </a:solidFill>
-                <a:latin typeface="Consolas" panose="020B0609020204030204" pitchFamily="49" charset="0"/>
-              </a:rPr>
-              <a:t>// Abstract Properties</a:t>
-            </a:r>
-            <a:endParaRPr lang="en-US" sz="1600" dirty="0">
-              <a:solidFill>
-                <a:srgbClr val="000000"/>
-              </a:solidFill>
-              <a:latin typeface="Consolas" panose="020B0609020204030204" pitchFamily="49" charset="0"/>
-            </a:endParaRPr>
-          </a:p>
-          <a:p>
-            <a:r>
-              <a:rPr lang="en-US" sz="1600" dirty="0">
-                <a:solidFill>
-                  <a:srgbClr val="000000"/>
-                </a:solidFill>
-                <a:latin typeface="Consolas" panose="020B0609020204030204" pitchFamily="49" charset="0"/>
-              </a:rPr>
-              <a:t>        </a:t>
-            </a:r>
-            <a:r>
-              <a:rPr lang="en-US" sz="1600" dirty="0">
-                <a:solidFill>
-                  <a:srgbClr val="0000FF"/>
-                </a:solidFill>
-                <a:latin typeface="Consolas" panose="020B0609020204030204" pitchFamily="49" charset="0"/>
-              </a:rPr>
-              <a:t>public</a:t>
-            </a:r>
-            <a:r>
-              <a:rPr lang="en-US" sz="1600" dirty="0">
-                <a:solidFill>
-                  <a:srgbClr val="000000"/>
-                </a:solidFill>
-                <a:latin typeface="Consolas" panose="020B0609020204030204" pitchFamily="49" charset="0"/>
-              </a:rPr>
-              <a:t> </a:t>
-            </a:r>
-            <a:r>
-              <a:rPr lang="en-US" sz="1600" dirty="0">
-                <a:solidFill>
-                  <a:srgbClr val="0000FF"/>
-                </a:solidFill>
-                <a:latin typeface="Consolas" panose="020B0609020204030204" pitchFamily="49" charset="0"/>
-              </a:rPr>
-              <a:t>abstract</a:t>
-            </a:r>
-            <a:r>
-              <a:rPr lang="en-US" sz="1600" dirty="0">
-                <a:solidFill>
-                  <a:srgbClr val="000000"/>
-                </a:solidFill>
-                <a:latin typeface="Consolas" panose="020B0609020204030204" pitchFamily="49" charset="0"/>
-              </a:rPr>
-              <a:t> </a:t>
-            </a:r>
-            <a:r>
-              <a:rPr lang="en-US" sz="1600" dirty="0">
-                <a:solidFill>
-                  <a:srgbClr val="0000FF"/>
-                </a:solidFill>
-                <a:latin typeface="Consolas" panose="020B0609020204030204" pitchFamily="49" charset="0"/>
-              </a:rPr>
-              <a:t>string</a:t>
-            </a:r>
-            <a:r>
-              <a:rPr lang="en-US" sz="1600" dirty="0">
-                <a:solidFill>
-                  <a:srgbClr val="000000"/>
-                </a:solidFill>
-                <a:latin typeface="Consolas" panose="020B0609020204030204" pitchFamily="49" charset="0"/>
-              </a:rPr>
-              <a:t> Name { </a:t>
-            </a:r>
-            <a:r>
-              <a:rPr lang="en-US" sz="1600" dirty="0">
-                <a:solidFill>
-                  <a:srgbClr val="0000FF"/>
-                </a:solidFill>
-                <a:latin typeface="Consolas" panose="020B0609020204030204" pitchFamily="49" charset="0"/>
-              </a:rPr>
-              <a:t>get</a:t>
-            </a:r>
-            <a:r>
-              <a:rPr lang="en-US" sz="1600" dirty="0">
-                <a:solidFill>
-                  <a:srgbClr val="000000"/>
-                </a:solidFill>
-                <a:latin typeface="Consolas" panose="020B0609020204030204" pitchFamily="49" charset="0"/>
-              </a:rPr>
-              <a:t>; }</a:t>
-            </a:r>
-          </a:p>
-          <a:p>
-            <a:r>
-              <a:rPr lang="en-US" sz="1600" dirty="0">
-                <a:solidFill>
-                  <a:srgbClr val="000000"/>
-                </a:solidFill>
-                <a:latin typeface="Consolas" panose="020B0609020204030204" pitchFamily="49" charset="0"/>
-              </a:rPr>
               <a:t>    }</a:t>
             </a:r>
-            <a:endParaRPr lang="en-US" sz="4000" dirty="0"/>
+            <a:endParaRPr lang="en-US" dirty="0"/>
           </a:p>
         </p:txBody>
       </p:sp>
     </p:spTree>
     <p:extLst>
       <p:ext uri="{BB962C8B-B14F-4D97-AF65-F5344CB8AC3E}">
-        <p14:creationId xmlns:p14="http://schemas.microsoft.com/office/powerpoint/2010/main" val="530976190"/>
+        <p14:creationId xmlns:p14="http://schemas.microsoft.com/office/powerpoint/2010/main" val="3244744170"/>
       </p:ext>
     </p:extLst>
   </p:cSld>
@@ -5013,14 +4577,7 @@
           <a:p>
             <a:r>
               <a:rPr lang="en-US" sz="2800" dirty="0" smtClean="0"/>
-              <a:t>Syntax </a:t>
-            </a:r>
-            <a:br>
-              <a:rPr lang="en-US" sz="2800" dirty="0" smtClean="0"/>
-            </a:br>
-            <a:r>
-              <a:rPr lang="en-US" sz="2000" dirty="0" smtClean="0"/>
-              <a:t>Implement Abstract Class, Method, Properties</a:t>
+              <a:t>Implementing Interface</a:t>
             </a:r>
             <a:endParaRPr lang="en-US" sz="2800" dirty="0"/>
           </a:p>
@@ -5034,8 +4591,8 @@
         </p:nvSpPr>
         <p:spPr>
           <a:xfrm>
-            <a:off x="3537397" y="1393103"/>
-            <a:ext cx="8903595" cy="2031325"/>
+            <a:off x="3644721" y="885271"/>
+            <a:ext cx="7946265" cy="4093428"/>
           </a:xfrm>
           <a:prstGeom prst="rect">
             <a:avLst/>
@@ -5048,7 +4605,7 @@
           <a:lstStyle/>
           <a:p>
             <a:r>
-              <a:rPr lang="en-US" sz="1400" dirty="0">
+              <a:rPr lang="en-US" sz="1600" dirty="0">
                 <a:solidFill>
                   <a:srgbClr val="0000FF"/>
                 </a:solidFill>
@@ -5057,7 +4614,7 @@
               <a:t>class</a:t>
             </a:r>
             <a:r>
-              <a:rPr lang="en-US" sz="1400" dirty="0">
+              <a:rPr lang="en-US" sz="1600" dirty="0">
                 <a:solidFill>
                   <a:srgbClr val="000000"/>
                 </a:solidFill>
@@ -5066,7 +4623,7 @@
               <a:t> </a:t>
             </a:r>
             <a:r>
-              <a:rPr lang="en-US" sz="1400" dirty="0">
+              <a:rPr lang="en-US" sz="1600" dirty="0">
                 <a:solidFill>
                   <a:srgbClr val="2B91AF"/>
                 </a:solidFill>
@@ -5075,7 +4632,7 @@
               <a:t>Doctor</a:t>
             </a:r>
             <a:r>
-              <a:rPr lang="en-US" sz="1400" dirty="0">
+              <a:rPr lang="en-US" sz="1600" dirty="0">
                 <a:solidFill>
                   <a:srgbClr val="000000"/>
                 </a:solidFill>
@@ -5084,33 +4641,15 @@
               <a:t> : </a:t>
             </a:r>
             <a:r>
-              <a:rPr lang="en-US" sz="1400" dirty="0">
+              <a:rPr lang="en-US" sz="1600" dirty="0" err="1">
                 <a:solidFill>
                   <a:srgbClr val="2B91AF"/>
                 </a:solidFill>
                 <a:latin typeface="Consolas" panose="020B0609020204030204" pitchFamily="49" charset="0"/>
               </a:rPr>
-              <a:t>Person</a:t>
-            </a:r>
-            <a:r>
-              <a:rPr lang="en-US" sz="1400" dirty="0">
-                <a:solidFill>
-                  <a:srgbClr val="000000"/>
-                </a:solidFill>
-                <a:latin typeface="Consolas" panose="020B0609020204030204" pitchFamily="49" charset="0"/>
-              </a:rPr>
-              <a:t>  </a:t>
-            </a:r>
-            <a:r>
-              <a:rPr lang="en-US" sz="1400" dirty="0">
-                <a:solidFill>
-                  <a:srgbClr val="008000"/>
-                </a:solidFill>
-                <a:latin typeface="Consolas" panose="020B0609020204030204" pitchFamily="49" charset="0"/>
-              </a:rPr>
-              <a:t>// Abstract class</a:t>
-            </a:r>
-            <a:endParaRPr lang="en-US" sz="1400" dirty="0">
+              <a:t>IPerson</a:t>
+            </a:r>
+            <a:endParaRPr lang="en-US" sz="1600" dirty="0">
               <a:solidFill>
                 <a:srgbClr val="000000"/>
               </a:solidFill>
@@ -5119,7 +4658,7 @@
           </a:p>
           <a:p>
             <a:r>
-              <a:rPr lang="en-US" sz="1400" dirty="0">
+              <a:rPr lang="en-US" sz="1600" dirty="0">
                 <a:solidFill>
                   <a:srgbClr val="000000"/>
                 </a:solidFill>
@@ -5130,7 +4669,7 @@
           </a:p>
           <a:p>
             <a:r>
-              <a:rPr lang="en-US" sz="1400" dirty="0">
+              <a:rPr lang="en-US" sz="1600" dirty="0">
                 <a:solidFill>
                   <a:srgbClr val="000000"/>
                 </a:solidFill>
@@ -5139,16 +4678,110 @@
               <a:t>        </a:t>
             </a:r>
             <a:r>
-              <a:rPr lang="en-US" sz="1400" dirty="0">
+              <a:rPr lang="en-US" sz="1600" dirty="0">
                 <a:solidFill>
                   <a:srgbClr val="0000FF"/>
                 </a:solidFill>
                 <a:latin typeface="Consolas" panose="020B0609020204030204" pitchFamily="49" charset="0"/>
               </a:rPr>
+              <a:t>string</a:t>
+            </a:r>
+            <a:r>
+              <a:rPr lang="en-US" sz="1600" dirty="0">
+                <a:solidFill>
+                  <a:srgbClr val="000000"/>
+                </a:solidFill>
+                <a:latin typeface="Consolas" panose="020B0609020204030204" pitchFamily="49" charset="0"/>
+              </a:rPr>
+              <a:t> _</a:t>
+            </a:r>
+            <a:r>
+              <a:rPr lang="en-US" sz="1600" dirty="0" err="1">
+                <a:solidFill>
+                  <a:srgbClr val="000000"/>
+                </a:solidFill>
+                <a:latin typeface="Consolas" panose="020B0609020204030204" pitchFamily="49" charset="0"/>
+              </a:rPr>
+              <a:t>firstName</a:t>
+            </a:r>
+            <a:r>
+              <a:rPr lang="en-US" sz="1600" dirty="0">
+                <a:solidFill>
+                  <a:srgbClr val="000000"/>
+                </a:solidFill>
+                <a:latin typeface="Consolas" panose="020B0609020204030204" pitchFamily="49" charset="0"/>
+              </a:rPr>
+              <a:t>;</a:t>
+            </a:r>
+          </a:p>
+          <a:p>
+            <a:r>
+              <a:rPr lang="en-US" sz="1600" dirty="0">
+                <a:solidFill>
+                  <a:srgbClr val="000000"/>
+                </a:solidFill>
+                <a:latin typeface="Consolas" panose="020B0609020204030204" pitchFamily="49" charset="0"/>
+              </a:rPr>
+              <a:t>        </a:t>
+            </a:r>
+            <a:r>
+              <a:rPr lang="en-US" sz="1600" dirty="0">
+                <a:solidFill>
+                  <a:srgbClr val="0000FF"/>
+                </a:solidFill>
+                <a:latin typeface="Consolas" panose="020B0609020204030204" pitchFamily="49" charset="0"/>
+              </a:rPr>
+              <a:t>string</a:t>
+            </a:r>
+            <a:r>
+              <a:rPr lang="en-US" sz="1600" dirty="0">
+                <a:solidFill>
+                  <a:srgbClr val="000000"/>
+                </a:solidFill>
+                <a:latin typeface="Consolas" panose="020B0609020204030204" pitchFamily="49" charset="0"/>
+              </a:rPr>
+              <a:t> _</a:t>
+            </a:r>
+            <a:r>
+              <a:rPr lang="en-US" sz="1600" dirty="0" err="1">
+                <a:solidFill>
+                  <a:srgbClr val="000000"/>
+                </a:solidFill>
+                <a:latin typeface="Consolas" panose="020B0609020204030204" pitchFamily="49" charset="0"/>
+              </a:rPr>
+              <a:t>lastName</a:t>
+            </a:r>
+            <a:r>
+              <a:rPr lang="en-US" sz="1600" dirty="0">
+                <a:solidFill>
+                  <a:srgbClr val="000000"/>
+                </a:solidFill>
+                <a:latin typeface="Consolas" panose="020B0609020204030204" pitchFamily="49" charset="0"/>
+              </a:rPr>
+              <a:t>;</a:t>
+            </a:r>
+          </a:p>
+          <a:p>
+            <a:r>
+              <a:rPr lang="en-US" sz="1600" dirty="0">
+                <a:solidFill>
+                  <a:srgbClr val="000000"/>
+                </a:solidFill>
+                <a:latin typeface="Consolas" panose="020B0609020204030204" pitchFamily="49" charset="0"/>
+              </a:rPr>
+              <a:t>        </a:t>
+            </a:r>
+            <a:r>
+              <a:rPr lang="en-US" sz="1600" dirty="0">
+                <a:solidFill>
+                  <a:srgbClr val="0000FF"/>
+                </a:solidFill>
+                <a:latin typeface="Consolas" panose="020B0609020204030204" pitchFamily="49" charset="0"/>
+              </a:rPr>
               <a:t>public</a:t>
             </a:r>
             <a:r>
-              <a:rPr lang="en-US" sz="1400" dirty="0">
+              <a:rPr lang="en-US" sz="1600" dirty="0">
                 <a:solidFill>
                   <a:srgbClr val="000000"/>
                 </a:solidFill>
@@ -5157,51 +4790,55 @@
               <a:t> </a:t>
             </a:r>
             <a:r>
-              <a:rPr lang="en-US" sz="1400" dirty="0">
+              <a:rPr lang="en-US" sz="1600" dirty="0">
                 <a:solidFill>
                   <a:srgbClr val="0000FF"/>
                 </a:solidFill>
                 <a:latin typeface="Consolas" panose="020B0609020204030204" pitchFamily="49" charset="0"/>
               </a:rPr>
-              <a:t>override</a:t>
-            </a:r>
-            <a:r>
-              <a:rPr lang="en-US" sz="1400" dirty="0">
+              <a:t>string</a:t>
+            </a:r>
+            <a:r>
+              <a:rPr lang="en-US" sz="1600" dirty="0">
                 <a:solidFill>
                   <a:srgbClr val="000000"/>
                 </a:solidFill>
                 <a:latin typeface="Consolas" panose="020B0609020204030204" pitchFamily="49" charset="0"/>
               </a:rPr>
-              <a:t> </a:t>
-            </a:r>
-            <a:r>
-              <a:rPr lang="en-US" sz="1400" dirty="0">
+              <a:t> Name</a:t>
+            </a:r>
+          </a:p>
+          <a:p>
+            <a:r>
+              <a:rPr lang="en-US" sz="1600" dirty="0">
+                <a:solidFill>
+                  <a:srgbClr val="000000"/>
+                </a:solidFill>
+                <a:latin typeface="Consolas" panose="020B0609020204030204" pitchFamily="49" charset="0"/>
+              </a:rPr>
+              <a:t>        {</a:t>
+            </a:r>
+          </a:p>
+          <a:p>
+            <a:r>
+              <a:rPr lang="en-US" sz="1600" dirty="0">
+                <a:solidFill>
+                  <a:srgbClr val="000000"/>
+                </a:solidFill>
+                <a:latin typeface="Consolas" panose="020B0609020204030204" pitchFamily="49" charset="0"/>
+              </a:rPr>
+              <a:t>            </a:t>
+            </a:r>
+            <a:r>
+              <a:rPr lang="en-US" sz="1600" dirty="0">
                 <a:solidFill>
                   <a:srgbClr val="0000FF"/>
                 </a:solidFill>
                 <a:latin typeface="Consolas" panose="020B0609020204030204" pitchFamily="49" charset="0"/>
               </a:rPr>
-              <a:t>void</a:t>
-            </a:r>
-            <a:r>
-              <a:rPr lang="en-US" sz="1400" dirty="0">
-                <a:solidFill>
-                  <a:srgbClr val="000000"/>
-                </a:solidFill>
-                <a:latin typeface="Consolas" panose="020B0609020204030204" pitchFamily="49" charset="0"/>
-              </a:rPr>
-              <a:t> Details()   </a:t>
-            </a:r>
-            <a:r>
-              <a:rPr lang="en-US" sz="1400" dirty="0">
-                <a:solidFill>
-                  <a:srgbClr val="008000"/>
-                </a:solidFill>
-                <a:latin typeface="Consolas" panose="020B0609020204030204" pitchFamily="49" charset="0"/>
-              </a:rPr>
-              <a:t>// Abstract method</a:t>
-            </a:r>
-            <a:endParaRPr lang="en-US" sz="1400" dirty="0">
+              <a:t>get</a:t>
+            </a:r>
+            <a:endParaRPr lang="en-US" sz="1600" dirty="0">
               <a:solidFill>
                 <a:srgbClr val="000000"/>
               </a:solidFill>
@@ -5210,359 +4847,317 @@
           </a:p>
           <a:p>
             <a:r>
-              <a:rPr lang="en-US" sz="1400" dirty="0">
+              <a:rPr lang="en-US" sz="1600" dirty="0">
                 <a:solidFill>
                   <a:srgbClr val="000000"/>
                 </a:solidFill>
                 <a:latin typeface="Consolas" panose="020B0609020204030204" pitchFamily="49" charset="0"/>
               </a:rPr>
+              <a:t>            {</a:t>
+            </a:r>
+          </a:p>
+          <a:p>
+            <a:r>
+              <a:rPr lang="en-US" sz="1600" dirty="0">
+                <a:solidFill>
+                  <a:srgbClr val="000000"/>
+                </a:solidFill>
+                <a:latin typeface="Consolas" panose="020B0609020204030204" pitchFamily="49" charset="0"/>
+              </a:rPr>
+              <a:t>                </a:t>
+            </a:r>
+            <a:r>
+              <a:rPr lang="en-US" sz="1600" dirty="0">
+                <a:solidFill>
+                  <a:srgbClr val="0000FF"/>
+                </a:solidFill>
+                <a:latin typeface="Consolas" panose="020B0609020204030204" pitchFamily="49" charset="0"/>
+              </a:rPr>
+              <a:t>return</a:t>
+            </a:r>
+            <a:r>
+              <a:rPr lang="en-US" sz="1600" dirty="0">
+                <a:solidFill>
+                  <a:srgbClr val="000000"/>
+                </a:solidFill>
+                <a:latin typeface="Consolas" panose="020B0609020204030204" pitchFamily="49" charset="0"/>
+              </a:rPr>
+              <a:t> </a:t>
+            </a:r>
+            <a:r>
+              <a:rPr lang="en-US" sz="1600" dirty="0">
+                <a:solidFill>
+                  <a:srgbClr val="A31515"/>
+                </a:solidFill>
+                <a:latin typeface="Consolas" panose="020B0609020204030204" pitchFamily="49" charset="0"/>
+              </a:rPr>
+              <a:t>"Dr. "</a:t>
+            </a:r>
+            <a:r>
+              <a:rPr lang="en-US" sz="1600" dirty="0">
+                <a:solidFill>
+                  <a:srgbClr val="000000"/>
+                </a:solidFill>
+                <a:latin typeface="Consolas" panose="020B0609020204030204" pitchFamily="49" charset="0"/>
+              </a:rPr>
+              <a:t> + _</a:t>
+            </a:r>
+            <a:r>
+              <a:rPr lang="en-US" sz="1600" dirty="0" err="1">
+                <a:solidFill>
+                  <a:srgbClr val="000000"/>
+                </a:solidFill>
+                <a:latin typeface="Consolas" panose="020B0609020204030204" pitchFamily="49" charset="0"/>
+              </a:rPr>
+              <a:t>firstName</a:t>
+            </a:r>
+            <a:r>
+              <a:rPr lang="en-US" sz="1600" dirty="0">
+                <a:solidFill>
+                  <a:srgbClr val="000000"/>
+                </a:solidFill>
+                <a:latin typeface="Consolas" panose="020B0609020204030204" pitchFamily="49" charset="0"/>
+              </a:rPr>
+              <a:t> + </a:t>
+            </a:r>
+            <a:r>
+              <a:rPr lang="en-US" sz="1600" dirty="0">
+                <a:solidFill>
+                  <a:srgbClr val="A31515"/>
+                </a:solidFill>
+                <a:latin typeface="Consolas" panose="020B0609020204030204" pitchFamily="49" charset="0"/>
+              </a:rPr>
+              <a:t>" "</a:t>
+            </a:r>
+            <a:r>
+              <a:rPr lang="en-US" sz="1600" dirty="0">
+                <a:solidFill>
+                  <a:srgbClr val="000000"/>
+                </a:solidFill>
+                <a:latin typeface="Consolas" panose="020B0609020204030204" pitchFamily="49" charset="0"/>
+              </a:rPr>
+              <a:t> + _</a:t>
+            </a:r>
+            <a:r>
+              <a:rPr lang="en-US" sz="1600" dirty="0" err="1">
+                <a:solidFill>
+                  <a:srgbClr val="000000"/>
+                </a:solidFill>
+                <a:latin typeface="Consolas" panose="020B0609020204030204" pitchFamily="49" charset="0"/>
+              </a:rPr>
+              <a:t>lastName</a:t>
+            </a:r>
+            <a:r>
+              <a:rPr lang="en-US" sz="1600" dirty="0">
+                <a:solidFill>
+                  <a:srgbClr val="000000"/>
+                </a:solidFill>
+                <a:latin typeface="Consolas" panose="020B0609020204030204" pitchFamily="49" charset="0"/>
+              </a:rPr>
+              <a:t>;</a:t>
+            </a:r>
+          </a:p>
+          <a:p>
+            <a:r>
+              <a:rPr lang="en-US" sz="1600" dirty="0">
+                <a:solidFill>
+                  <a:srgbClr val="000000"/>
+                </a:solidFill>
+                <a:latin typeface="Consolas" panose="020B0609020204030204" pitchFamily="49" charset="0"/>
+              </a:rPr>
+              <a:t>            }</a:t>
+            </a:r>
+          </a:p>
+          <a:p>
+            <a:r>
+              <a:rPr lang="en-US" sz="1600" dirty="0">
+                <a:solidFill>
+                  <a:srgbClr val="000000"/>
+                </a:solidFill>
+                <a:latin typeface="Consolas" panose="020B0609020204030204" pitchFamily="49" charset="0"/>
+              </a:rPr>
+              <a:t>        }</a:t>
+            </a:r>
+          </a:p>
+          <a:p>
+            <a:r>
+              <a:rPr lang="en-US" sz="1600" dirty="0">
+                <a:solidFill>
+                  <a:srgbClr val="000000"/>
+                </a:solidFill>
+                <a:latin typeface="Consolas" panose="020B0609020204030204" pitchFamily="49" charset="0"/>
+              </a:rPr>
+              <a:t>        </a:t>
+            </a:r>
+            <a:r>
+              <a:rPr lang="en-US" sz="1600" dirty="0">
+                <a:solidFill>
+                  <a:srgbClr val="0000FF"/>
+                </a:solidFill>
+                <a:latin typeface="Consolas" panose="020B0609020204030204" pitchFamily="49" charset="0"/>
+              </a:rPr>
+              <a:t>public</a:t>
+            </a:r>
+            <a:r>
+              <a:rPr lang="en-US" sz="1600" dirty="0">
+                <a:solidFill>
+                  <a:srgbClr val="000000"/>
+                </a:solidFill>
+                <a:latin typeface="Consolas" panose="020B0609020204030204" pitchFamily="49" charset="0"/>
+              </a:rPr>
+              <a:t> </a:t>
+            </a:r>
+            <a:r>
+              <a:rPr lang="en-US" sz="1600" dirty="0">
+                <a:solidFill>
+                  <a:srgbClr val="0000FF"/>
+                </a:solidFill>
+                <a:latin typeface="Consolas" panose="020B0609020204030204" pitchFamily="49" charset="0"/>
+              </a:rPr>
+              <a:t>void</a:t>
+            </a:r>
+            <a:r>
+              <a:rPr lang="en-US" sz="1600" dirty="0">
+                <a:solidFill>
+                  <a:srgbClr val="000000"/>
+                </a:solidFill>
+                <a:latin typeface="Consolas" panose="020B0609020204030204" pitchFamily="49" charset="0"/>
+              </a:rPr>
+              <a:t> </a:t>
+            </a:r>
+            <a:r>
+              <a:rPr lang="en-US" sz="1600" dirty="0" err="1">
+                <a:solidFill>
+                  <a:srgbClr val="000000"/>
+                </a:solidFill>
+                <a:latin typeface="Consolas" panose="020B0609020204030204" pitchFamily="49" charset="0"/>
+              </a:rPr>
+              <a:t>PrintDetails</a:t>
+            </a:r>
+            <a:r>
+              <a:rPr lang="en-US" sz="1600" dirty="0">
+                <a:solidFill>
+                  <a:srgbClr val="000000"/>
+                </a:solidFill>
+                <a:latin typeface="Consolas" panose="020B0609020204030204" pitchFamily="49" charset="0"/>
+              </a:rPr>
+              <a:t>()</a:t>
+            </a:r>
+          </a:p>
+          <a:p>
+            <a:r>
+              <a:rPr lang="en-US" sz="1600" dirty="0">
+                <a:solidFill>
+                  <a:srgbClr val="000000"/>
+                </a:solidFill>
+                <a:latin typeface="Consolas" panose="020B0609020204030204" pitchFamily="49" charset="0"/>
+              </a:rPr>
               <a:t>        {</a:t>
             </a:r>
           </a:p>
           <a:p>
             <a:r>
-              <a:rPr lang="en-US" sz="1400" dirty="0">
+              <a:rPr lang="en-US" sz="1600" dirty="0">
                 <a:solidFill>
                   <a:srgbClr val="000000"/>
                 </a:solidFill>
                 <a:latin typeface="Consolas" panose="020B0609020204030204" pitchFamily="49" charset="0"/>
               </a:rPr>
+              <a:t>            </a:t>
+            </a:r>
+            <a:r>
+              <a:rPr lang="en-US" sz="1600" dirty="0" err="1">
+                <a:solidFill>
+                  <a:srgbClr val="2B91AF"/>
+                </a:solidFill>
+                <a:latin typeface="Consolas" panose="020B0609020204030204" pitchFamily="49" charset="0"/>
+              </a:rPr>
+              <a:t>Console</a:t>
+            </a:r>
+            <a:r>
+              <a:rPr lang="en-US" sz="1600" dirty="0" err="1">
+                <a:solidFill>
+                  <a:srgbClr val="000000"/>
+                </a:solidFill>
+                <a:latin typeface="Consolas" panose="020B0609020204030204" pitchFamily="49" charset="0"/>
+              </a:rPr>
+              <a:t>.WriteLine</a:t>
+            </a:r>
+            <a:r>
+              <a:rPr lang="en-US" sz="1600" dirty="0">
+                <a:solidFill>
+                  <a:srgbClr val="000000"/>
+                </a:solidFill>
+                <a:latin typeface="Consolas" panose="020B0609020204030204" pitchFamily="49" charset="0"/>
+              </a:rPr>
+              <a:t>(</a:t>
+            </a:r>
+            <a:r>
+              <a:rPr lang="en-US" sz="1600" dirty="0">
+                <a:solidFill>
+                  <a:srgbClr val="A31515"/>
+                </a:solidFill>
+                <a:latin typeface="Consolas" panose="020B0609020204030204" pitchFamily="49" charset="0"/>
+              </a:rPr>
+              <a:t>"Print Details </a:t>
+            </a:r>
+            <a:r>
+              <a:rPr lang="en-US" sz="1600" dirty="0" smtClean="0">
+                <a:solidFill>
+                  <a:srgbClr val="A31515"/>
+                </a:solidFill>
+                <a:latin typeface="Consolas" panose="020B0609020204030204" pitchFamily="49" charset="0"/>
+              </a:rPr>
+              <a:t>: Name </a:t>
+            </a:r>
+            <a:r>
+              <a:rPr lang="en-US" sz="1600" dirty="0">
+                <a:solidFill>
+                  <a:srgbClr val="A31515"/>
+                </a:solidFill>
+                <a:latin typeface="Consolas" panose="020B0609020204030204" pitchFamily="49" charset="0"/>
+              </a:rPr>
+              <a:t>"</a:t>
+            </a:r>
+            <a:r>
+              <a:rPr lang="en-US" sz="1600" dirty="0">
+                <a:solidFill>
+                  <a:srgbClr val="000000"/>
+                </a:solidFill>
+                <a:latin typeface="Consolas" panose="020B0609020204030204" pitchFamily="49" charset="0"/>
+              </a:rPr>
+              <a:t> + Name);</a:t>
+            </a:r>
+          </a:p>
+          <a:p>
+            <a:r>
+              <a:rPr lang="en-US" sz="1600" dirty="0">
+                <a:solidFill>
+                  <a:srgbClr val="000000"/>
+                </a:solidFill>
+                <a:latin typeface="Consolas" panose="020B0609020204030204" pitchFamily="49" charset="0"/>
+              </a:rPr>
               <a:t>        }</a:t>
             </a:r>
           </a:p>
           <a:p>
             <a:r>
-              <a:rPr lang="en-US" sz="1400" dirty="0">
+              <a:rPr lang="en-US" sz="1600" dirty="0">
                 <a:solidFill>
                   <a:srgbClr val="000000"/>
                 </a:solidFill>
                 <a:latin typeface="Consolas" panose="020B0609020204030204" pitchFamily="49" charset="0"/>
               </a:rPr>
-              <a:t>        </a:t>
-            </a:r>
-            <a:r>
-              <a:rPr lang="en-US" sz="1400" dirty="0">
-                <a:solidFill>
-                  <a:srgbClr val="008000"/>
-                </a:solidFill>
-                <a:latin typeface="Consolas" panose="020B0609020204030204" pitchFamily="49" charset="0"/>
-              </a:rPr>
-              <a:t>//public override </a:t>
-            </a:r>
-            <a:r>
-              <a:rPr lang="en-US" sz="1400" dirty="0" err="1">
-                <a:solidFill>
-                  <a:srgbClr val="008000"/>
-                </a:solidFill>
-                <a:latin typeface="Consolas" panose="020B0609020204030204" pitchFamily="49" charset="0"/>
-              </a:rPr>
-              <a:t>int</a:t>
-            </a:r>
-            <a:r>
-              <a:rPr lang="en-US" sz="1400" dirty="0">
-                <a:solidFill>
-                  <a:srgbClr val="008000"/>
-                </a:solidFill>
-                <a:latin typeface="Consolas" panose="020B0609020204030204" pitchFamily="49" charset="0"/>
-              </a:rPr>
-              <a:t> Id { get; set { } }  // Compile Error</a:t>
-            </a:r>
-            <a:endParaRPr lang="en-US" sz="1400" dirty="0">
-              <a:solidFill>
-                <a:srgbClr val="000000"/>
-              </a:solidFill>
-              <a:latin typeface="Consolas" panose="020B0609020204030204" pitchFamily="49" charset="0"/>
-            </a:endParaRPr>
-          </a:p>
-          <a:p>
-            <a:r>
-              <a:rPr lang="en-US" sz="1400" dirty="0">
-                <a:solidFill>
-                  <a:srgbClr val="000000"/>
-                </a:solidFill>
-                <a:latin typeface="Consolas" panose="020B0609020204030204" pitchFamily="49" charset="0"/>
-              </a:rPr>
-              <a:t>        </a:t>
-            </a:r>
-            <a:r>
-              <a:rPr lang="en-US" sz="1400" dirty="0">
-                <a:solidFill>
-                  <a:srgbClr val="0000FF"/>
-                </a:solidFill>
-                <a:latin typeface="Consolas" panose="020B0609020204030204" pitchFamily="49" charset="0"/>
-              </a:rPr>
-              <a:t>public</a:t>
-            </a:r>
-            <a:r>
-              <a:rPr lang="en-US" sz="1400" dirty="0">
-                <a:solidFill>
-                  <a:srgbClr val="000000"/>
-                </a:solidFill>
-                <a:latin typeface="Consolas" panose="020B0609020204030204" pitchFamily="49" charset="0"/>
-              </a:rPr>
-              <a:t> </a:t>
-            </a:r>
-            <a:r>
-              <a:rPr lang="en-US" sz="1400" dirty="0">
-                <a:solidFill>
-                  <a:srgbClr val="0000FF"/>
-                </a:solidFill>
-                <a:latin typeface="Consolas" panose="020B0609020204030204" pitchFamily="49" charset="0"/>
-              </a:rPr>
-              <a:t>override</a:t>
-            </a:r>
-            <a:r>
-              <a:rPr lang="en-US" sz="1400" dirty="0">
-                <a:solidFill>
-                  <a:srgbClr val="000000"/>
-                </a:solidFill>
-                <a:latin typeface="Consolas" panose="020B0609020204030204" pitchFamily="49" charset="0"/>
-              </a:rPr>
-              <a:t> </a:t>
-            </a:r>
-            <a:r>
-              <a:rPr lang="en-US" sz="1400" dirty="0" err="1">
-                <a:solidFill>
-                  <a:srgbClr val="0000FF"/>
-                </a:solidFill>
-                <a:latin typeface="Consolas" panose="020B0609020204030204" pitchFamily="49" charset="0"/>
-              </a:rPr>
-              <a:t>int</a:t>
-            </a:r>
-            <a:r>
-              <a:rPr lang="en-US" sz="1400" dirty="0">
-                <a:solidFill>
-                  <a:srgbClr val="000000"/>
-                </a:solidFill>
-                <a:latin typeface="Consolas" panose="020B0609020204030204" pitchFamily="49" charset="0"/>
-              </a:rPr>
-              <a:t> Id { </a:t>
-            </a:r>
-            <a:r>
-              <a:rPr lang="en-US" sz="1400" dirty="0">
-                <a:solidFill>
-                  <a:srgbClr val="0000FF"/>
-                </a:solidFill>
-                <a:latin typeface="Consolas" panose="020B0609020204030204" pitchFamily="49" charset="0"/>
-              </a:rPr>
-              <a:t>get</a:t>
-            </a:r>
-            <a:r>
-              <a:rPr lang="en-US" sz="1400" dirty="0">
-                <a:solidFill>
-                  <a:srgbClr val="000000"/>
-                </a:solidFill>
-                <a:latin typeface="Consolas" panose="020B0609020204030204" pitchFamily="49" charset="0"/>
-              </a:rPr>
-              <a:t> { </a:t>
-            </a:r>
-            <a:r>
-              <a:rPr lang="en-US" sz="1400" dirty="0">
-                <a:solidFill>
-                  <a:srgbClr val="0000FF"/>
-                </a:solidFill>
-                <a:latin typeface="Consolas" panose="020B0609020204030204" pitchFamily="49" charset="0"/>
-              </a:rPr>
-              <a:t>return</a:t>
-            </a:r>
-            <a:r>
-              <a:rPr lang="en-US" sz="1400" dirty="0">
-                <a:solidFill>
-                  <a:srgbClr val="000000"/>
-                </a:solidFill>
-                <a:latin typeface="Consolas" panose="020B0609020204030204" pitchFamily="49" charset="0"/>
-              </a:rPr>
-              <a:t> _Id; } }</a:t>
-            </a:r>
-          </a:p>
-          <a:p>
-            <a:r>
-              <a:rPr lang="en-US" sz="1400" dirty="0">
-                <a:solidFill>
-                  <a:srgbClr val="000000"/>
-                </a:solidFill>
-                <a:latin typeface="Consolas" panose="020B0609020204030204" pitchFamily="49" charset="0"/>
-              </a:rPr>
-              <a:t>        </a:t>
-            </a:r>
-            <a:r>
-              <a:rPr lang="en-US" sz="1400" dirty="0">
-                <a:solidFill>
-                  <a:srgbClr val="0000FF"/>
-                </a:solidFill>
-                <a:latin typeface="Consolas" panose="020B0609020204030204" pitchFamily="49" charset="0"/>
-              </a:rPr>
-              <a:t>public</a:t>
-            </a:r>
-            <a:r>
-              <a:rPr lang="en-US" sz="1400" dirty="0">
-                <a:solidFill>
-                  <a:srgbClr val="000000"/>
-                </a:solidFill>
-                <a:latin typeface="Consolas" panose="020B0609020204030204" pitchFamily="49" charset="0"/>
-              </a:rPr>
-              <a:t> </a:t>
-            </a:r>
-            <a:r>
-              <a:rPr lang="en-US" sz="1400" dirty="0">
-                <a:solidFill>
-                  <a:srgbClr val="0000FF"/>
-                </a:solidFill>
-                <a:latin typeface="Consolas" panose="020B0609020204030204" pitchFamily="49" charset="0"/>
-              </a:rPr>
-              <a:t>override</a:t>
-            </a:r>
-            <a:r>
-              <a:rPr lang="en-US" sz="1400" dirty="0">
-                <a:solidFill>
-                  <a:srgbClr val="000000"/>
-                </a:solidFill>
-                <a:latin typeface="Consolas" panose="020B0609020204030204" pitchFamily="49" charset="0"/>
-              </a:rPr>
-              <a:t> </a:t>
-            </a:r>
-            <a:r>
-              <a:rPr lang="en-US" sz="1400" dirty="0">
-                <a:solidFill>
-                  <a:srgbClr val="0000FF"/>
-                </a:solidFill>
-                <a:latin typeface="Consolas" panose="020B0609020204030204" pitchFamily="49" charset="0"/>
-              </a:rPr>
-              <a:t>string</a:t>
-            </a:r>
-            <a:r>
-              <a:rPr lang="en-US" sz="1400" dirty="0">
-                <a:solidFill>
-                  <a:srgbClr val="000000"/>
-                </a:solidFill>
-                <a:latin typeface="Consolas" panose="020B0609020204030204" pitchFamily="49" charset="0"/>
-              </a:rPr>
-              <a:t> Name { </a:t>
-            </a:r>
-            <a:r>
-              <a:rPr lang="en-US" sz="1400" dirty="0">
-                <a:solidFill>
-                  <a:srgbClr val="0000FF"/>
-                </a:solidFill>
-                <a:latin typeface="Consolas" panose="020B0609020204030204" pitchFamily="49" charset="0"/>
-              </a:rPr>
-              <a:t>get</a:t>
-            </a:r>
-            <a:r>
-              <a:rPr lang="en-US" sz="1400" dirty="0">
-                <a:solidFill>
-                  <a:srgbClr val="000000"/>
-                </a:solidFill>
-                <a:latin typeface="Consolas" panose="020B0609020204030204" pitchFamily="49" charset="0"/>
-              </a:rPr>
-              <a:t> { </a:t>
-            </a:r>
-            <a:r>
-              <a:rPr lang="en-US" sz="1400" dirty="0">
-                <a:solidFill>
-                  <a:srgbClr val="0000FF"/>
-                </a:solidFill>
-                <a:latin typeface="Consolas" panose="020B0609020204030204" pitchFamily="49" charset="0"/>
-              </a:rPr>
-              <a:t>return</a:t>
-            </a:r>
-            <a:r>
-              <a:rPr lang="en-US" sz="1400" dirty="0">
-                <a:solidFill>
-                  <a:srgbClr val="000000"/>
-                </a:solidFill>
-                <a:latin typeface="Consolas" panose="020B0609020204030204" pitchFamily="49" charset="0"/>
-              </a:rPr>
-              <a:t> _</a:t>
-            </a:r>
-            <a:r>
-              <a:rPr lang="en-US" sz="1400" dirty="0" err="1">
-                <a:solidFill>
-                  <a:srgbClr val="000000"/>
-                </a:solidFill>
-                <a:latin typeface="Consolas" panose="020B0609020204030204" pitchFamily="49" charset="0"/>
-              </a:rPr>
-              <a:t>FirstName</a:t>
-            </a:r>
-            <a:r>
-              <a:rPr lang="en-US" sz="1400" dirty="0">
-                <a:solidFill>
-                  <a:srgbClr val="000000"/>
-                </a:solidFill>
-                <a:latin typeface="Consolas" panose="020B0609020204030204" pitchFamily="49" charset="0"/>
-              </a:rPr>
-              <a:t> + </a:t>
-            </a:r>
-            <a:r>
-              <a:rPr lang="en-US" sz="1400" dirty="0">
-                <a:solidFill>
-                  <a:srgbClr val="A31515"/>
-                </a:solidFill>
-                <a:latin typeface="Consolas" panose="020B0609020204030204" pitchFamily="49" charset="0"/>
-              </a:rPr>
-              <a:t>" "</a:t>
-            </a:r>
-            <a:r>
-              <a:rPr lang="en-US" sz="1400" dirty="0">
-                <a:solidFill>
-                  <a:srgbClr val="000000"/>
-                </a:solidFill>
-                <a:latin typeface="Consolas" panose="020B0609020204030204" pitchFamily="49" charset="0"/>
-              </a:rPr>
-              <a:t> + _</a:t>
-            </a:r>
-            <a:r>
-              <a:rPr lang="en-US" sz="1400" dirty="0" err="1">
-                <a:solidFill>
-                  <a:srgbClr val="000000"/>
-                </a:solidFill>
-                <a:latin typeface="Consolas" panose="020B0609020204030204" pitchFamily="49" charset="0"/>
-              </a:rPr>
-              <a:t>LastName</a:t>
-            </a:r>
-            <a:r>
-              <a:rPr lang="en-US" sz="1400" dirty="0">
-                <a:solidFill>
-                  <a:srgbClr val="000000"/>
-                </a:solidFill>
-                <a:latin typeface="Consolas" panose="020B0609020204030204" pitchFamily="49" charset="0"/>
-              </a:rPr>
-              <a:t>; </a:t>
-            </a:r>
-            <a:r>
-              <a:rPr lang="en-US" sz="1400" dirty="0" smtClean="0">
-                <a:solidFill>
-                  <a:srgbClr val="000000"/>
-                </a:solidFill>
-                <a:latin typeface="Consolas" panose="020B0609020204030204" pitchFamily="49" charset="0"/>
-              </a:rPr>
-              <a:t>}}</a:t>
-            </a:r>
-            <a:endParaRPr lang="en-US" sz="1400" dirty="0">
-              <a:solidFill>
-                <a:srgbClr val="000000"/>
-              </a:solidFill>
-              <a:latin typeface="Consolas" panose="020B0609020204030204" pitchFamily="49" charset="0"/>
-            </a:endParaRPr>
-          </a:p>
-          <a:p>
-            <a:r>
-              <a:rPr lang="en-US" sz="1400" dirty="0">
-                <a:solidFill>
-                  <a:srgbClr val="000000"/>
-                </a:solidFill>
-                <a:latin typeface="Consolas" panose="020B0609020204030204" pitchFamily="49" charset="0"/>
-              </a:rPr>
               <a:t>    }</a:t>
             </a:r>
-            <a:endParaRPr lang="en-US" sz="1400" dirty="0"/>
+            <a:endParaRPr lang="en-US" sz="1600" dirty="0"/>
           </a:p>
         </p:txBody>
       </p:sp>
     </p:spTree>
     <p:extLst>
       <p:ext uri="{BB962C8B-B14F-4D97-AF65-F5344CB8AC3E}">
-        <p14:creationId xmlns:p14="http://schemas.microsoft.com/office/powerpoint/2010/main" val="2786365921"/>
+        <p14:creationId xmlns:p14="http://schemas.microsoft.com/office/powerpoint/2010/main" val="1495320498"/>
       </p:ext>
     </p:extLst>
   </p:cSld>

--- a/PPTs/C Sharp - Interface.pptx
+++ b/PPTs/C Sharp - Interface.pptx
@@ -11,6 +11,7 @@
     <p:sldId id="263" r:id="rId5"/>
     <p:sldId id="264" r:id="rId6"/>
     <p:sldId id="265" r:id="rId7"/>
+    <p:sldId id="266" r:id="rId8"/>
   </p:sldIdLst>
   <p:sldSz cx="12192000" cy="6858000"/>
   <p:notesSz cx="6858000" cy="9144000"/>
@@ -342,7 +343,7 @@
             <a:fld id="{5586B75A-687E-405C-8A0B-8D00578BA2C3}" type="datetimeFigureOut">
               <a:rPr lang="en-US" dirty="0"/>
               <a:pPr/>
-              <a:t>11/15/2018</a:t>
+              <a:t>11/16/2018</a:t>
             </a:fld>
             <a:endParaRPr lang="en-US" dirty="0"/>
           </a:p>
@@ -509,7 +510,7 @@
             <a:fld id="{5586B75A-687E-405C-8A0B-8D00578BA2C3}" type="datetimeFigureOut">
               <a:rPr lang="en-US" dirty="0"/>
               <a:pPr/>
-              <a:t>11/15/2018</a:t>
+              <a:t>11/16/2018</a:t>
             </a:fld>
             <a:endParaRPr lang="en-US" dirty="0"/>
           </a:p>
@@ -686,7 +687,7 @@
             <a:fld id="{5586B75A-687E-405C-8A0B-8D00578BA2C3}" type="datetimeFigureOut">
               <a:rPr lang="en-US" dirty="0"/>
               <a:pPr/>
-              <a:t>11/15/2018</a:t>
+              <a:t>11/16/2018</a:t>
             </a:fld>
             <a:endParaRPr lang="en-US" dirty="0"/>
           </a:p>
@@ -853,7 +854,7 @@
             <a:fld id="{5586B75A-687E-405C-8A0B-8D00578BA2C3}" type="datetimeFigureOut">
               <a:rPr lang="en-US" dirty="0"/>
               <a:pPr/>
-              <a:t>11/15/2018</a:t>
+              <a:t>11/16/2018</a:t>
             </a:fld>
             <a:endParaRPr lang="en-US" dirty="0"/>
           </a:p>
@@ -1108,7 +1109,7 @@
             <a:fld id="{5586B75A-687E-405C-8A0B-8D00578BA2C3}" type="datetimeFigureOut">
               <a:rPr lang="en-US" dirty="0"/>
               <a:pPr/>
-              <a:t>11/15/2018</a:t>
+              <a:t>11/16/2018</a:t>
             </a:fld>
             <a:endParaRPr lang="en-US" dirty="0"/>
           </a:p>
@@ -1393,7 +1394,7 @@
             <a:fld id="{5586B75A-687E-405C-8A0B-8D00578BA2C3}" type="datetimeFigureOut">
               <a:rPr lang="en-US" dirty="0"/>
               <a:pPr/>
-              <a:t>11/15/2018</a:t>
+              <a:t>11/16/2018</a:t>
             </a:fld>
             <a:endParaRPr lang="en-US" dirty="0"/>
           </a:p>
@@ -1832,7 +1833,7 @@
             <a:fld id="{5586B75A-687E-405C-8A0B-8D00578BA2C3}" type="datetimeFigureOut">
               <a:rPr lang="en-US" dirty="0"/>
               <a:pPr/>
-              <a:t>11/15/2018</a:t>
+              <a:t>11/16/2018</a:t>
             </a:fld>
             <a:endParaRPr lang="en-US" dirty="0"/>
           </a:p>
@@ -1947,7 +1948,7 @@
             <a:fld id="{5586B75A-687E-405C-8A0B-8D00578BA2C3}" type="datetimeFigureOut">
               <a:rPr lang="en-US" dirty="0"/>
               <a:pPr/>
-              <a:t>11/15/2018</a:t>
+              <a:t>11/16/2018</a:t>
             </a:fld>
             <a:endParaRPr lang="en-US" dirty="0"/>
           </a:p>
@@ -2039,7 +2040,7 @@
             <a:fld id="{5586B75A-687E-405C-8A0B-8D00578BA2C3}" type="datetimeFigureOut">
               <a:rPr lang="en-US" dirty="0"/>
               <a:pPr/>
-              <a:t>11/15/2018</a:t>
+              <a:t>11/16/2018</a:t>
             </a:fld>
             <a:endParaRPr lang="en-US" dirty="0"/>
           </a:p>
@@ -2324,7 +2325,7 @@
             <a:fld id="{5586B75A-687E-405C-8A0B-8D00578BA2C3}" type="datetimeFigureOut">
               <a:rPr lang="en-US" dirty="0"/>
               <a:pPr/>
-              <a:t>11/15/2018</a:t>
+              <a:t>11/16/2018</a:t>
             </a:fld>
             <a:endParaRPr lang="en-US" dirty="0"/>
           </a:p>
@@ -2594,7 +2595,7 @@
             <a:fld id="{5586B75A-687E-405C-8A0B-8D00578BA2C3}" type="datetimeFigureOut">
               <a:rPr lang="en-US" dirty="0"/>
               <a:pPr/>
-              <a:t>11/15/2018</a:t>
+              <a:t>11/16/2018</a:t>
             </a:fld>
             <a:endParaRPr lang="en-US" dirty="0"/>
           </a:p>
@@ -2888,7 +2889,7 @@
             <a:fld id="{5586B75A-687E-405C-8A0B-8D00578BA2C3}" type="datetimeFigureOut">
               <a:rPr lang="en-US" dirty="0"/>
               <a:pPr/>
-              <a:t>11/15/2018</a:t>
+              <a:t>11/16/2018</a:t>
             </a:fld>
             <a:endParaRPr lang="en-US" dirty="0"/>
           </a:p>
@@ -3389,11 +3390,7 @@
           <a:p>
             <a:r>
               <a:rPr lang="en-US" sz="5400" b="1" dirty="0" smtClean="0"/>
-              <a:t>C Sharp –</a:t>
-            </a:r>
-            <a:r>
-              <a:rPr lang="en-US" sz="5400" b="1" dirty="0" smtClean="0"/>
-              <a:t> </a:t>
+              <a:t>C Sharp – </a:t>
             </a:r>
             <a:br>
               <a:rPr lang="en-US" sz="5400" b="1" dirty="0" smtClean="0"/>
@@ -3561,7 +3558,6 @@
               <a:rPr lang="en-US" dirty="0" smtClean="0"/>
               <a:t>Interface vs Abstract</a:t>
             </a:r>
-            <a:endParaRPr lang="en-US" dirty="0" smtClean="0"/>
           </a:p>
           <a:p>
             <a:r>
@@ -3571,10 +3567,9 @@
           </a:p>
           <a:p>
             <a:r>
-              <a:rPr lang="en-US" smtClean="0"/>
+              <a:rPr lang="en-US" dirty="0" smtClean="0"/>
               <a:t>Implementing Interface</a:t>
             </a:r>
-            <a:endParaRPr lang="en-US" dirty="0" smtClean="0"/>
           </a:p>
         </p:txBody>
       </p:sp>
@@ -5158,6 +5153,171 @@
     <p:extLst>
       <p:ext uri="{BB962C8B-B14F-4D97-AF65-F5344CB8AC3E}">
         <p14:creationId xmlns:p14="http://schemas.microsoft.com/office/powerpoint/2010/main" val="1495320498"/>
+      </p:ext>
+    </p:extLst>
+  </p:cSld>
+  <p:clrMapOvr>
+    <a:masterClrMapping/>
+  </p:clrMapOvr>
+  <p:timing>
+    <p:tnLst>
+      <p:par>
+        <p:cTn id="1" dur="indefinite" restart="never" nodeType="tmRoot"/>
+      </p:par>
+    </p:tnLst>
+  </p:timing>
+</p:sld>
+</file>
+
+<file path=ppt/slides/slide7.xml><?xml version="1.0" encoding="utf-8"?>
+<p:sld xmlns:a="http://schemas.openxmlformats.org/drawingml/2006/main" xmlns:r="http://schemas.openxmlformats.org/officeDocument/2006/relationships" xmlns:p="http://schemas.openxmlformats.org/presentationml/2006/main">
+  <p:cSld>
+    <p:spTree>
+      <p:nvGrpSpPr>
+        <p:cNvPr id="1" name=""/>
+        <p:cNvGrpSpPr/>
+        <p:nvPr/>
+      </p:nvGrpSpPr>
+      <p:grpSpPr>
+        <a:xfrm>
+          <a:off x="0" y="0"/>
+          <a:ext cx="0" cy="0"/>
+          <a:chOff x="0" y="0"/>
+          <a:chExt cx="0" cy="0"/>
+        </a:xfrm>
+      </p:grpSpPr>
+      <p:sp>
+        <p:nvSpPr>
+          <p:cNvPr id="2" name="Title 1"/>
+          <p:cNvSpPr>
+            <a:spLocks noGrp="1"/>
+          </p:cNvSpPr>
+          <p:nvPr>
+            <p:ph type="ctrTitle"/>
+          </p:nvPr>
+        </p:nvSpPr>
+        <p:spPr>
+          <a:xfrm>
+            <a:off x="894404" y="860567"/>
+            <a:ext cx="7726422" cy="3255264"/>
+          </a:xfrm>
+        </p:spPr>
+        <p:txBody>
+          <a:bodyPr>
+            <a:normAutofit/>
+          </a:bodyPr>
+          <a:lstStyle/>
+          <a:p>
+            <a:pPr algn="ctr"/>
+            <a:r>
+              <a:rPr lang="en-US" sz="2400" b="1" dirty="0" smtClean="0"/>
+              <a:t>Thanks for viewing </a:t>
+            </a:r>
+            <a:br>
+              <a:rPr lang="en-US" sz="2400" b="1" dirty="0" smtClean="0"/>
+            </a:br>
+            <a:r>
+              <a:rPr lang="en-US" sz="2400" b="1" dirty="0" smtClean="0"/>
+              <a:t/>
+            </a:r>
+            <a:br>
+              <a:rPr lang="en-US" sz="2400" b="1" dirty="0" smtClean="0"/>
+            </a:br>
+            <a:r>
+              <a:rPr lang="en-US" sz="2400" b="1" dirty="0" smtClean="0">
+                <a:hlinkClick r:id="rId2"/>
+              </a:rPr>
+              <a:t>Visit Learn C Share for Free Trainings, Tutorials, Videos</a:t>
+            </a:r>
+            <a:br>
+              <a:rPr lang="en-US" sz="2400" b="1" dirty="0" smtClean="0">
+                <a:hlinkClick r:id="rId2"/>
+              </a:rPr>
+            </a:br>
+            <a:r>
+              <a:rPr lang="en-US" sz="2400" b="1" dirty="0" smtClean="0"/>
+              <a:t/>
+            </a:r>
+            <a:br>
+              <a:rPr lang="en-US" sz="2400" b="1" dirty="0" smtClean="0"/>
+            </a:br>
+            <a:r>
+              <a:rPr lang="en-US" sz="2400" b="1" dirty="0" smtClean="0">
+                <a:hlinkClick r:id="rId2"/>
+              </a:rPr>
+              <a:t>Visit CourseIng for Online Training, Corporate Training and Class Room trainings.</a:t>
+            </a:r>
+            <a:br>
+              <a:rPr lang="en-US" sz="2400" b="1" dirty="0" smtClean="0">
+                <a:hlinkClick r:id="rId2"/>
+              </a:rPr>
+            </a:br>
+            <a:endParaRPr lang="en-US" sz="2800" b="1" dirty="0"/>
+          </a:p>
+        </p:txBody>
+      </p:sp>
+      <p:sp>
+        <p:nvSpPr>
+          <p:cNvPr id="3" name="Subtitle 2"/>
+          <p:cNvSpPr>
+            <a:spLocks noGrp="1"/>
+          </p:cNvSpPr>
+          <p:nvPr>
+            <p:ph type="subTitle" idx="1"/>
+          </p:nvPr>
+        </p:nvSpPr>
+        <p:spPr/>
+        <p:txBody>
+          <a:bodyPr/>
+          <a:lstStyle/>
+          <a:p>
+            <a:pPr algn="ctr"/>
+            <a:r>
+              <a:rPr lang="en-US" dirty="0" smtClean="0"/>
+              <a:t>Learn @ CourseIng</a:t>
+            </a:r>
+          </a:p>
+          <a:p>
+            <a:pPr algn="ctr"/>
+            <a:r>
+              <a:rPr lang="en-US" dirty="0">
+                <a:solidFill>
+                  <a:schemeClr val="tx1">
+                    <a:lumMod val="95000"/>
+                    <a:lumOff val="5000"/>
+                  </a:schemeClr>
+                </a:solidFill>
+                <a:hlinkClick r:id="rId2"/>
+              </a:rPr>
+              <a:t>http://www.courseing.com</a:t>
+            </a:r>
+            <a:r>
+              <a:rPr lang="en-US" dirty="0">
+                <a:solidFill>
+                  <a:schemeClr val="tx1">
+                    <a:lumMod val="95000"/>
+                    <a:lumOff val="5000"/>
+                  </a:schemeClr>
+                </a:solidFill>
+              </a:rPr>
+              <a:t> </a:t>
+            </a:r>
+            <a:r>
+              <a:rPr lang="en-US" dirty="0"/>
+              <a:t> | +91 - </a:t>
+            </a:r>
+            <a:r>
+              <a:rPr lang="en-US" dirty="0" smtClean="0"/>
+              <a:t>7207210101</a:t>
+            </a:r>
+            <a:endParaRPr lang="en-US" dirty="0"/>
+          </a:p>
+        </p:txBody>
+      </p:sp>
+    </p:spTree>
+    <p:extLst>
+      <p:ext uri="{BB962C8B-B14F-4D97-AF65-F5344CB8AC3E}">
+        <p14:creationId xmlns:p14="http://schemas.microsoft.com/office/powerpoint/2010/main" val="3711217382"/>
       </p:ext>
     </p:extLst>
   </p:cSld>
